--- a/PowerPoint/SGI_グラディウスシリーズ_入澤風山.pptx
+++ b/PowerPoint/SGI_グラディウスシリーズ_入澤風山.pptx
@@ -104,6 +104,11 @@
       </a:defRPr>
     </a:lvl9pPr>
   </p:defaultTextStyle>
+  <p:extLst>
+    <p:ext uri="{EFAFB233-063F-42B5-8137-9DF3F51BA10A}">
+      <p15:sldGuideLst xmlns:p15="http://schemas.microsoft.com/office/powerpoint/2012/main"/>
+    </p:ext>
+  </p:extLst>
 </p:presentation>
 </file>
 
@@ -3624,6 +3629,78 @@
           <a:chExt cx="0" cy="0"/>
         </a:xfrm>
       </p:grpSpPr>
+      <p:pic>
+        <p:nvPicPr>
+          <p:cNvPr id="7" name="図 6" descr="テキスト&#10;&#10;AI によって生成されたコンテンツは間違っている可能性があります。">
+            <a:extLst>
+              <a:ext uri="{FF2B5EF4-FFF2-40B4-BE49-F238E27FC236}">
+                <a16:creationId xmlns:a16="http://schemas.microsoft.com/office/drawing/2014/main" id="{05E5DAEB-1B3F-E9B5-56F4-CB7CADF4D4AB}"/>
+              </a:ext>
+            </a:extLst>
+          </p:cNvPr>
+          <p:cNvPicPr>
+            <a:picLocks noChangeAspect="1"/>
+          </p:cNvPicPr>
+          <p:nvPr/>
+        </p:nvPicPr>
+        <p:blipFill>
+          <a:blip r:embed="rId3">
+            <a:extLst>
+              <a:ext uri="{28A0092B-C50C-407E-A947-70E740481C1C}">
+                <a14:useLocalDpi xmlns:a14="http://schemas.microsoft.com/office/drawing/2010/main" val="0"/>
+              </a:ext>
+            </a:extLst>
+          </a:blip>
+          <a:stretch>
+            <a:fillRect/>
+          </a:stretch>
+        </p:blipFill>
+        <p:spPr>
+          <a:xfrm>
+            <a:off x="0" y="2642391"/>
+            <a:ext cx="9275747" cy="1851196"/>
+          </a:xfrm>
+          <a:prstGeom prst="rect">
+            <a:avLst/>
+          </a:prstGeom>
+        </p:spPr>
+      </p:pic>
+      <p:pic>
+        <p:nvPicPr>
+          <p:cNvPr id="9" name="図 8" descr="暗い, テーブル が含まれている画像&#10;&#10;AI によって生成されたコンテンツは間違っている可能性があります。">
+            <a:extLst>
+              <a:ext uri="{FF2B5EF4-FFF2-40B4-BE49-F238E27FC236}">
+                <a16:creationId xmlns:a16="http://schemas.microsoft.com/office/drawing/2014/main" id="{4E4B0EE9-0136-3A56-F375-BE3D609CD230}"/>
+              </a:ext>
+            </a:extLst>
+          </p:cNvPr>
+          <p:cNvPicPr>
+            <a:picLocks noChangeAspect="1"/>
+          </p:cNvPicPr>
+          <p:nvPr/>
+        </p:nvPicPr>
+        <p:blipFill>
+          <a:blip r:embed="rId4">
+            <a:extLst>
+              <a:ext uri="{28A0092B-C50C-407E-A947-70E740481C1C}">
+                <a14:useLocalDpi xmlns:a14="http://schemas.microsoft.com/office/drawing/2010/main" val="0"/>
+              </a:ext>
+            </a:extLst>
+          </a:blip>
+          <a:stretch>
+            <a:fillRect/>
+          </a:stretch>
+        </p:blipFill>
+        <p:spPr>
+          <a:xfrm>
+            <a:off x="5928546" y="497436"/>
+            <a:ext cx="6954734" cy="6008784"/>
+          </a:xfrm>
+          <a:prstGeom prst="rect">
+            <a:avLst/>
+          </a:prstGeom>
+        </p:spPr>
+      </p:pic>
     </p:spTree>
     <p:extLst>
       <p:ext uri="{BB962C8B-B14F-4D97-AF65-F5344CB8AC3E}">

--- a/PowerPoint/SGI_グラディウスシリーズ_入澤風山.pptx
+++ b/PowerPoint/SGI_グラディウスシリーズ_入澤風山.pptx
@@ -3631,10 +3631,225 @@
       </p:grpSpPr>
       <p:pic>
         <p:nvPicPr>
-          <p:cNvPr id="7" name="図 6" descr="テキスト&#10;&#10;AI によって生成されたコンテンツは間違っている可能性があります。">
-            <a:extLst>
-              <a:ext uri="{FF2B5EF4-FFF2-40B4-BE49-F238E27FC236}">
-                <a16:creationId xmlns:a16="http://schemas.microsoft.com/office/drawing/2014/main" id="{05E5DAEB-1B3F-E9B5-56F4-CB7CADF4D4AB}"/>
+          <p:cNvPr id="3" name="図 2" descr="水, 座る, ボート, テーブル が含まれている画像&#10;&#10;AI によって生成されたコンテンツは間違っている可能性があります。">
+            <a:extLst>
+              <a:ext uri="{FF2B5EF4-FFF2-40B4-BE49-F238E27FC236}">
+                <a16:creationId xmlns:a16="http://schemas.microsoft.com/office/drawing/2014/main" id="{3EE7DE09-A8C3-D5A9-EEC4-85E769B854F3}"/>
+              </a:ext>
+            </a:extLst>
+          </p:cNvPr>
+          <p:cNvPicPr>
+            <a:picLocks noGrp="1" noRot="1" noChangeAspect="1" noMove="1" noResize="1" noEditPoints="1" noAdjustHandles="1" noChangeArrowheads="1" noChangeShapeType="1" noCrop="1"/>
+          </p:cNvPicPr>
+          <p:nvPr/>
+        </p:nvPicPr>
+        <p:blipFill>
+          <a:blip r:embed="rId3">
+            <a:alphaModFix amt="16000"/>
+            <a:extLst>
+              <a:ext uri="{28A0092B-C50C-407E-A947-70E740481C1C}">
+                <a14:useLocalDpi xmlns:a14="http://schemas.microsoft.com/office/drawing/2010/main" val="0"/>
+              </a:ext>
+            </a:extLst>
+          </a:blip>
+          <a:stretch>
+            <a:fillRect/>
+          </a:stretch>
+        </p:blipFill>
+        <p:spPr>
+          <a:xfrm>
+            <a:off x="0" y="-2916123"/>
+            <a:ext cx="12415118" cy="11668238"/>
+          </a:xfrm>
+          <a:prstGeom prst="rect">
+            <a:avLst/>
+          </a:prstGeom>
+          <a:effectLst>
+            <a:outerShdw blurRad="50800" dist="50800" dir="5400000" algn="ctr" rotWithShape="0">
+              <a:srgbClr val="000000"/>
+            </a:outerShdw>
+          </a:effectLst>
+        </p:spPr>
+      </p:pic>
+      <p:pic>
+        <p:nvPicPr>
+          <p:cNvPr id="17" name="図 16" descr="座る, テーブル, 水, ブルー が含まれている画像&#10;&#10;AI によって生成されたコンテンツは間違っている可能性があります。">
+            <a:extLst>
+              <a:ext uri="{FF2B5EF4-FFF2-40B4-BE49-F238E27FC236}">
+                <a16:creationId xmlns:a16="http://schemas.microsoft.com/office/drawing/2014/main" id="{177AD4D6-0CE6-91A4-55B9-E044DE3469BA}"/>
+              </a:ext>
+            </a:extLst>
+          </p:cNvPr>
+          <p:cNvPicPr>
+            <a:picLocks noGrp="1" noRot="1" noChangeAspect="1" noMove="1" noResize="1" noEditPoints="1" noAdjustHandles="1" noChangeArrowheads="1" noChangeShapeType="1" noCrop="1"/>
+          </p:cNvPicPr>
+          <p:nvPr/>
+        </p:nvPicPr>
+        <p:blipFill>
+          <a:blip r:embed="rId4">
+            <a:alphaModFix amt="50000"/>
+            <a:extLst>
+              <a:ext uri="{28A0092B-C50C-407E-A947-70E740481C1C}">
+                <a14:useLocalDpi xmlns:a14="http://schemas.microsoft.com/office/drawing/2010/main" val="0"/>
+              </a:ext>
+            </a:extLst>
+          </a:blip>
+          <a:stretch>
+            <a:fillRect/>
+          </a:stretch>
+        </p:blipFill>
+        <p:spPr>
+          <a:xfrm>
+            <a:off x="-168496" y="-469743"/>
+            <a:ext cx="5469783" cy="3898743"/>
+          </a:xfrm>
+          <a:prstGeom prst="rect">
+            <a:avLst/>
+          </a:prstGeom>
+          <a:ln>
+            <a:noFill/>
+          </a:ln>
+          <a:effectLst>
+            <a:softEdge rad="1270000"/>
+          </a:effectLst>
+        </p:spPr>
+      </p:pic>
+      <p:sp>
+        <p:nvSpPr>
+          <p:cNvPr id="6" name="楕円 5">
+            <a:extLst>
+              <a:ext uri="{FF2B5EF4-FFF2-40B4-BE49-F238E27FC236}">
+                <a16:creationId xmlns:a16="http://schemas.microsoft.com/office/drawing/2014/main" id="{FEBA18BE-9F03-12F7-F18B-4D98AABBC80A}"/>
+              </a:ext>
+            </a:extLst>
+          </p:cNvPr>
+          <p:cNvSpPr>
+            <a:spLocks noGrp="1" noRot="1" noMove="1" noResize="1" noEditPoints="1" noAdjustHandles="1" noChangeArrowheads="1" noChangeShapeType="1"/>
+          </p:cNvSpPr>
+          <p:nvPr/>
+        </p:nvSpPr>
+        <p:spPr>
+          <a:xfrm>
+            <a:off x="8389257" y="4144248"/>
+            <a:ext cx="6381339" cy="4295109"/>
+          </a:xfrm>
+          <a:prstGeom prst="ellipse">
+            <a:avLst/>
+          </a:prstGeom>
+          <a:solidFill>
+            <a:schemeClr val="accent6">
+              <a:alpha val="50000"/>
+            </a:schemeClr>
+          </a:solidFill>
+          <a:ln>
+            <a:noFill/>
+          </a:ln>
+          <a:effectLst>
+            <a:softEdge rad="317500"/>
+          </a:effectLst>
+        </p:spPr>
+        <p:style>
+          <a:lnRef idx="0">
+            <a:scrgbClr r="0" g="0" b="0"/>
+          </a:lnRef>
+          <a:fillRef idx="0">
+            <a:scrgbClr r="0" g="0" b="0"/>
+          </a:fillRef>
+          <a:effectRef idx="0">
+            <a:scrgbClr r="0" g="0" b="0"/>
+          </a:effectRef>
+          <a:fontRef idx="minor">
+            <a:schemeClr val="lt1"/>
+          </a:fontRef>
+        </p:style>
+        <p:txBody>
+          <a:bodyPr rtlCol="0" anchor="ctr"/>
+          <a:lstStyle/>
+          <a:p>
+            <a:pPr algn="ctr"/>
+            <a:endParaRPr kumimoji="1" lang="ja-JP" altLang="en-US"/>
+          </a:p>
+        </p:txBody>
+      </p:sp>
+      <p:sp>
+        <p:nvSpPr>
+          <p:cNvPr id="5" name="テキスト ボックス 4">
+            <a:extLst>
+              <a:ext uri="{FF2B5EF4-FFF2-40B4-BE49-F238E27FC236}">
+                <a16:creationId xmlns:a16="http://schemas.microsoft.com/office/drawing/2014/main" id="{ACD55144-A774-4D93-E63B-B3806E353648}"/>
+              </a:ext>
+            </a:extLst>
+          </p:cNvPr>
+          <p:cNvSpPr txBox="1"/>
+          <p:nvPr/>
+        </p:nvSpPr>
+        <p:spPr>
+          <a:xfrm>
+            <a:off x="-1159430" y="1725052"/>
+            <a:ext cx="6377287" cy="646331"/>
+          </a:xfrm>
+          <a:prstGeom prst="rect">
+            <a:avLst/>
+          </a:prstGeom>
+          <a:noFill/>
+        </p:spPr>
+        <p:txBody>
+          <a:bodyPr wrap="square" rtlCol="0">
+            <a:spAutoFit/>
+          </a:bodyPr>
+          <a:lstStyle/>
+          <a:p>
+            <a:pPr algn="ctr"/>
+            <a:r>
+              <a:rPr lang="ja-JP" altLang="en-US" sz="3600" b="1" u="sng" dirty="0">
+                <a:solidFill>
+                  <a:schemeClr val="accent1">
+                    <a:lumMod val="20000"/>
+                    <a:lumOff val="80000"/>
+                  </a:schemeClr>
+                </a:solidFill>
+                <a:effectLst>
+                  <a:glow rad="101600">
+                    <a:schemeClr val="tx1">
+                      <a:lumMod val="75000"/>
+                      <a:lumOff val="25000"/>
+                      <a:alpha val="60000"/>
+                    </a:schemeClr>
+                  </a:glow>
+                </a:effectLst>
+                <a:latin typeface="HGP明朝B" panose="02020800000000000000" pitchFamily="18" charset="-128"/>
+                <a:ea typeface="HGP明朝B" panose="02020800000000000000" pitchFamily="18" charset="-128"/>
+              </a:rPr>
+              <a:t>　　　　        　４０年の歴史</a:t>
+            </a:r>
+            <a:endParaRPr kumimoji="1" lang="ja-JP" altLang="en-US" sz="3600" b="1" u="sng" dirty="0">
+              <a:solidFill>
+                <a:schemeClr val="accent1">
+                  <a:lumMod val="20000"/>
+                  <a:lumOff val="80000"/>
+                </a:schemeClr>
+              </a:solidFill>
+              <a:effectLst>
+                <a:glow rad="101600">
+                  <a:schemeClr val="tx1">
+                    <a:lumMod val="75000"/>
+                    <a:lumOff val="25000"/>
+                    <a:alpha val="60000"/>
+                  </a:schemeClr>
+                </a:glow>
+              </a:effectLst>
+              <a:latin typeface="HGP明朝B" panose="02020800000000000000" pitchFamily="18" charset="-128"/>
+              <a:ea typeface="HGP明朝B" panose="02020800000000000000" pitchFamily="18" charset="-128"/>
+            </a:endParaRPr>
+          </a:p>
+        </p:txBody>
+      </p:sp>
+      <p:pic>
+        <p:nvPicPr>
+          <p:cNvPr id="12" name="図 11" descr="カレンダー&#10;&#10;AI によって生成されたコンテンツは間違っている可能性があります。">
+            <a:extLst>
+              <a:ext uri="{FF2B5EF4-FFF2-40B4-BE49-F238E27FC236}">
+                <a16:creationId xmlns:a16="http://schemas.microsoft.com/office/drawing/2014/main" id="{5B23B909-D884-2873-1DC9-62518A8FD8DA}"/>
               </a:ext>
             </a:extLst>
           </p:cNvPr>
@@ -3644,7 +3859,484 @@
           <p:nvPr/>
         </p:nvPicPr>
         <p:blipFill>
-          <a:blip r:embed="rId3">
+          <a:blip r:embed="rId5">
+            <a:extLst>
+              <a:ext uri="{28A0092B-C50C-407E-A947-70E740481C1C}">
+                <a14:useLocalDpi xmlns:a14="http://schemas.microsoft.com/office/drawing/2010/main" val="0"/>
+              </a:ext>
+            </a:extLst>
+          </a:blip>
+          <a:stretch>
+            <a:fillRect/>
+          </a:stretch>
+        </p:blipFill>
+        <p:spPr>
+          <a:xfrm rot="20145514">
+            <a:off x="9381714" y="5998577"/>
+            <a:ext cx="1074964" cy="1074964"/>
+          </a:xfrm>
+          <a:prstGeom prst="rect">
+            <a:avLst/>
+          </a:prstGeom>
+        </p:spPr>
+      </p:pic>
+      <p:pic>
+        <p:nvPicPr>
+          <p:cNvPr id="14" name="図 13" descr="ダイアグラム&#10;&#10;AI によって生成されたコンテンツは間違っている可能性があります。">
+            <a:extLst>
+              <a:ext uri="{FF2B5EF4-FFF2-40B4-BE49-F238E27FC236}">
+                <a16:creationId xmlns:a16="http://schemas.microsoft.com/office/drawing/2014/main" id="{FBD93166-5FD5-FE05-97BB-67D8EB156251}"/>
+              </a:ext>
+            </a:extLst>
+          </p:cNvPr>
+          <p:cNvPicPr>
+            <a:picLocks noChangeAspect="1"/>
+          </p:cNvPicPr>
+          <p:nvPr/>
+        </p:nvPicPr>
+        <p:blipFill>
+          <a:blip r:embed="rId6">
+            <a:extLst>
+              <a:ext uri="{28A0092B-C50C-407E-A947-70E740481C1C}">
+                <a14:useLocalDpi xmlns:a14="http://schemas.microsoft.com/office/drawing/2010/main" val="0"/>
+              </a:ext>
+            </a:extLst>
+          </a:blip>
+          <a:stretch>
+            <a:fillRect/>
+          </a:stretch>
+        </p:blipFill>
+        <p:spPr>
+          <a:xfrm rot="20808135">
+            <a:off x="10278556" y="5638073"/>
+            <a:ext cx="877702" cy="1236199"/>
+          </a:xfrm>
+          <a:prstGeom prst="rect">
+            <a:avLst/>
+          </a:prstGeom>
+        </p:spPr>
+      </p:pic>
+      <p:pic>
+        <p:nvPicPr>
+          <p:cNvPr id="10" name="図 9" descr="ボックス, 食品, 部屋 が含まれている画像&#10;&#10;AI によって生成されたコンテンツは間違っている可能性があります。">
+            <a:extLst>
+              <a:ext uri="{FF2B5EF4-FFF2-40B4-BE49-F238E27FC236}">
+                <a16:creationId xmlns:a16="http://schemas.microsoft.com/office/drawing/2014/main" id="{89B1E933-4EBD-9BFF-DC31-534F2EC4E61C}"/>
+              </a:ext>
+            </a:extLst>
+          </p:cNvPr>
+          <p:cNvPicPr>
+            <a:picLocks noChangeAspect="1"/>
+          </p:cNvPicPr>
+          <p:nvPr/>
+        </p:nvPicPr>
+        <p:blipFill>
+          <a:blip r:embed="rId7">
+            <a:extLst>
+              <a:ext uri="{28A0092B-C50C-407E-A947-70E740481C1C}">
+                <a14:useLocalDpi xmlns:a14="http://schemas.microsoft.com/office/drawing/2010/main" val="0"/>
+              </a:ext>
+            </a:extLst>
+          </a:blip>
+          <a:stretch>
+            <a:fillRect/>
+          </a:stretch>
+        </p:blipFill>
+        <p:spPr>
+          <a:xfrm rot="308792">
+            <a:off x="11100001" y="5202803"/>
+            <a:ext cx="951113" cy="1716139"/>
+          </a:xfrm>
+          <a:prstGeom prst="rect">
+            <a:avLst/>
+          </a:prstGeom>
+        </p:spPr>
+      </p:pic>
+      <p:sp>
+        <p:nvSpPr>
+          <p:cNvPr id="15" name="テキスト ボックス 14">
+            <a:extLst>
+              <a:ext uri="{FF2B5EF4-FFF2-40B4-BE49-F238E27FC236}">
+                <a16:creationId xmlns:a16="http://schemas.microsoft.com/office/drawing/2014/main" id="{E75940D5-FD3A-D799-82E9-9640D05A2A43}"/>
+              </a:ext>
+            </a:extLst>
+          </p:cNvPr>
+          <p:cNvSpPr txBox="1">
+            <a:spLocks/>
+          </p:cNvSpPr>
+          <p:nvPr/>
+        </p:nvSpPr>
+        <p:spPr>
+          <a:xfrm rot="14763299">
+            <a:off x="9661415" y="4014978"/>
+            <a:ext cx="2264085" cy="3967741"/>
+          </a:xfrm>
+          <a:prstGeom prst="rect">
+            <a:avLst/>
+          </a:prstGeom>
+          <a:noFill/>
+        </p:spPr>
+        <p:txBody>
+          <a:bodyPr wrap="square" rtlCol="0">
+            <a:prstTxWarp prst="textCircle">
+              <a:avLst>
+                <a:gd name="adj" fmla="val 11202590"/>
+              </a:avLst>
+            </a:prstTxWarp>
+            <a:spAutoFit/>
+            <a:scene3d>
+              <a:camera prst="orthographicFront">
+                <a:rot lat="0" lon="300000" rev="0"/>
+              </a:camera>
+              <a:lightRig rig="threePt" dir="t"/>
+            </a:scene3d>
+          </a:bodyPr>
+          <a:lstStyle/>
+          <a:p>
+            <a:pPr algn="ctr"/>
+            <a:r>
+              <a:rPr lang="ja-JP" altLang="en-US" sz="2800" b="1" dirty="0">
+                <a:solidFill>
+                  <a:schemeClr val="accent5">
+                    <a:lumMod val="40000"/>
+                    <a:lumOff val="60000"/>
+                  </a:schemeClr>
+                </a:solidFill>
+                <a:effectLst>
+                  <a:glow rad="63500">
+                    <a:schemeClr val="accent5">
+                      <a:satMod val="175000"/>
+                      <a:alpha val="40000"/>
+                    </a:schemeClr>
+                  </a:glow>
+                </a:effectLst>
+                <a:latin typeface="HGS創英角ﾎﾟｯﾌﾟ体" panose="040B0A00000000000000" pitchFamily="50" charset="-128"/>
+                <a:ea typeface="HGS創英角ﾎﾟｯﾌﾟ体" panose="040B0A00000000000000" pitchFamily="50" charset="-128"/>
+              </a:rPr>
+              <a:t>パロディもたくさん！</a:t>
+            </a:r>
+          </a:p>
+        </p:txBody>
+      </p:sp>
+      <p:pic>
+        <p:nvPicPr>
+          <p:cNvPr id="20" name="図 19" descr="ゲーム画面のスクリーンショット&#10;&#10;AI によって生成されたコンテンツは間違っている可能性があります。">
+            <a:extLst>
+              <a:ext uri="{FF2B5EF4-FFF2-40B4-BE49-F238E27FC236}">
+                <a16:creationId xmlns:a16="http://schemas.microsoft.com/office/drawing/2014/main" id="{489FDFA6-3770-7CD7-6ED6-7E5D65451950}"/>
+              </a:ext>
+            </a:extLst>
+          </p:cNvPr>
+          <p:cNvPicPr>
+            <a:picLocks noChangeAspect="1"/>
+          </p:cNvPicPr>
+          <p:nvPr/>
+        </p:nvPicPr>
+        <p:blipFill>
+          <a:blip r:embed="rId8">
+            <a:extLst>
+              <a:ext uri="{28A0092B-C50C-407E-A947-70E740481C1C}">
+                <a14:useLocalDpi xmlns:a14="http://schemas.microsoft.com/office/drawing/2010/main" val="0"/>
+              </a:ext>
+            </a:extLst>
+          </a:blip>
+          <a:srcRect t="14930" b="20084"/>
+          <a:stretch/>
+        </p:blipFill>
+        <p:spPr>
+          <a:xfrm>
+            <a:off x="34605" y="3763719"/>
+            <a:ext cx="3080279" cy="2001751"/>
+          </a:xfrm>
+          <a:prstGeom prst="rect">
+            <a:avLst/>
+          </a:prstGeom>
+          <a:ln>
+            <a:noFill/>
+          </a:ln>
+          <a:effectLst>
+            <a:softEdge rad="112500"/>
+          </a:effectLst>
+          <a:scene3d>
+            <a:camera prst="perspectiveRight"/>
+            <a:lightRig rig="threePt" dir="t"/>
+          </a:scene3d>
+        </p:spPr>
+      </p:pic>
+      <p:sp>
+        <p:nvSpPr>
+          <p:cNvPr id="18" name="テキスト ボックス 17">
+            <a:extLst>
+              <a:ext uri="{FF2B5EF4-FFF2-40B4-BE49-F238E27FC236}">
+                <a16:creationId xmlns:a16="http://schemas.microsoft.com/office/drawing/2014/main" id="{E724CA04-7FA8-ECFB-B59D-07FC9CC4B0DC}"/>
+              </a:ext>
+            </a:extLst>
+          </p:cNvPr>
+          <p:cNvSpPr txBox="1"/>
+          <p:nvPr/>
+        </p:nvSpPr>
+        <p:spPr>
+          <a:xfrm>
+            <a:off x="-14513" y="5623795"/>
+            <a:ext cx="3817257" cy="1200329"/>
+          </a:xfrm>
+          <a:prstGeom prst="rect">
+            <a:avLst/>
+          </a:prstGeom>
+          <a:noFill/>
+        </p:spPr>
+        <p:txBody>
+          <a:bodyPr wrap="square" rtlCol="0">
+            <a:spAutoFit/>
+          </a:bodyPr>
+          <a:lstStyle/>
+          <a:p>
+            <a:r>
+              <a:rPr lang="ja-JP" altLang="en-US" sz="2400" b="1" i="0" dirty="0">
+                <a:solidFill>
+                  <a:schemeClr val="bg1">
+                    <a:lumMod val="85000"/>
+                  </a:schemeClr>
+                </a:solidFill>
+                <a:effectLst>
+                  <a:glow rad="63500">
+                    <a:schemeClr val="accent1">
+                      <a:satMod val="175000"/>
+                      <a:alpha val="40000"/>
+                    </a:schemeClr>
+                  </a:glow>
+                </a:effectLst>
+                <a:latin typeface="HGP明朝B" panose="02020800000000000000" pitchFamily="18" charset="-128"/>
+                <a:ea typeface="HGP明朝B" panose="02020800000000000000" pitchFamily="18" charset="-128"/>
+              </a:rPr>
+              <a:t>前身ゲーム</a:t>
+            </a:r>
+            <a:endParaRPr lang="en-US" altLang="ja-JP" sz="2400" b="1" i="0" dirty="0">
+              <a:solidFill>
+                <a:schemeClr val="bg1">
+                  <a:lumMod val="85000"/>
+                </a:schemeClr>
+              </a:solidFill>
+              <a:effectLst>
+                <a:glow rad="63500">
+                  <a:schemeClr val="accent1">
+                    <a:satMod val="175000"/>
+                    <a:alpha val="40000"/>
+                  </a:schemeClr>
+                </a:glow>
+              </a:effectLst>
+              <a:latin typeface="HGP明朝B" panose="02020800000000000000" pitchFamily="18" charset="-128"/>
+              <a:ea typeface="HGP明朝B" panose="02020800000000000000" pitchFamily="18" charset="-128"/>
+            </a:endParaRPr>
+          </a:p>
+          <a:p>
+            <a:pPr algn="ctr"/>
+            <a:r>
+              <a:rPr lang="ja-JP" altLang="en-US" sz="2400" b="1" i="0" dirty="0">
+                <a:solidFill>
+                  <a:srgbClr val="FFFF00"/>
+                </a:solidFill>
+                <a:effectLst>
+                  <a:glow rad="63500">
+                    <a:schemeClr val="accent1">
+                      <a:satMod val="175000"/>
+                      <a:alpha val="40000"/>
+                    </a:schemeClr>
+                  </a:glow>
+                </a:effectLst>
+                <a:latin typeface="HGP明朝B" panose="02020800000000000000" pitchFamily="18" charset="-128"/>
+                <a:ea typeface="HGP明朝B" panose="02020800000000000000" pitchFamily="18" charset="-128"/>
+              </a:rPr>
+              <a:t>スクランブル</a:t>
+            </a:r>
+            <a:r>
+              <a:rPr lang="ja-JP" altLang="en-US" sz="2400" b="1" i="0" dirty="0">
+                <a:solidFill>
+                  <a:schemeClr val="bg1">
+                    <a:lumMod val="85000"/>
+                  </a:schemeClr>
+                </a:solidFill>
+                <a:effectLst>
+                  <a:glow rad="63500">
+                    <a:schemeClr val="accent1">
+                      <a:satMod val="175000"/>
+                      <a:alpha val="40000"/>
+                    </a:schemeClr>
+                  </a:glow>
+                </a:effectLst>
+                <a:latin typeface="HGP明朝B" panose="02020800000000000000" pitchFamily="18" charset="-128"/>
+                <a:ea typeface="HGP明朝B" panose="02020800000000000000" pitchFamily="18" charset="-128"/>
+              </a:rPr>
+              <a:t>の</a:t>
+            </a:r>
+            <a:endParaRPr lang="en-US" altLang="ja-JP" sz="2400" b="1" i="0" dirty="0">
+              <a:solidFill>
+                <a:schemeClr val="bg1">
+                  <a:lumMod val="85000"/>
+                </a:schemeClr>
+              </a:solidFill>
+              <a:effectLst>
+                <a:glow rad="63500">
+                  <a:schemeClr val="accent1">
+                    <a:satMod val="175000"/>
+                    <a:alpha val="40000"/>
+                  </a:schemeClr>
+                </a:glow>
+              </a:effectLst>
+              <a:latin typeface="HGP明朝B" panose="02020800000000000000" pitchFamily="18" charset="-128"/>
+              <a:ea typeface="HGP明朝B" panose="02020800000000000000" pitchFamily="18" charset="-128"/>
+            </a:endParaRPr>
+          </a:p>
+          <a:p>
+            <a:pPr algn="r"/>
+            <a:r>
+              <a:rPr lang="ja-JP" altLang="en-US" sz="2400" b="1" i="0" dirty="0">
+                <a:solidFill>
+                  <a:schemeClr val="bg1">
+                    <a:lumMod val="85000"/>
+                  </a:schemeClr>
+                </a:solidFill>
+                <a:effectLst>
+                  <a:glow rad="63500">
+                    <a:schemeClr val="accent1">
+                      <a:satMod val="175000"/>
+                      <a:alpha val="40000"/>
+                    </a:schemeClr>
+                  </a:glow>
+                </a:effectLst>
+                <a:latin typeface="HGP明朝B" panose="02020800000000000000" pitchFamily="18" charset="-128"/>
+                <a:ea typeface="HGP明朝B" panose="02020800000000000000" pitchFamily="18" charset="-128"/>
+              </a:rPr>
+              <a:t>意志を継ぐ</a:t>
+            </a:r>
+          </a:p>
+        </p:txBody>
+      </p:sp>
+      <p:pic>
+        <p:nvPicPr>
+          <p:cNvPr id="9" name="図 8" descr="暗い, テーブル が含まれている画像&#10;&#10;AI によって生成されたコンテンツは間違っている可能性があります。">
+            <a:extLst>
+              <a:ext uri="{FF2B5EF4-FFF2-40B4-BE49-F238E27FC236}">
+                <a16:creationId xmlns:a16="http://schemas.microsoft.com/office/drawing/2014/main" id="{4E4B0EE9-0136-3A56-F375-BE3D609CD230}"/>
+              </a:ext>
+            </a:extLst>
+          </p:cNvPr>
+          <p:cNvPicPr>
+            <a:picLocks noGrp="1" noRot="1" noChangeAspect="1" noMove="1" noResize="1" noEditPoints="1" noAdjustHandles="1" noChangeArrowheads="1" noChangeShapeType="1" noCrop="1"/>
+          </p:cNvPicPr>
+          <p:nvPr/>
+        </p:nvPicPr>
+        <p:blipFill>
+          <a:blip r:embed="rId9">
+            <a:extLst>
+              <a:ext uri="{28A0092B-C50C-407E-A947-70E740481C1C}">
+                <a14:useLocalDpi xmlns:a14="http://schemas.microsoft.com/office/drawing/2010/main" val="0"/>
+              </a:ext>
+            </a:extLst>
+          </a:blip>
+          <a:stretch>
+            <a:fillRect/>
+          </a:stretch>
+        </p:blipFill>
+        <p:spPr>
+          <a:xfrm>
+            <a:off x="5928546" y="497436"/>
+            <a:ext cx="6954734" cy="6008784"/>
+          </a:xfrm>
+          <a:prstGeom prst="rect">
+            <a:avLst/>
+          </a:prstGeom>
+        </p:spPr>
+      </p:pic>
+      <p:sp>
+        <p:nvSpPr>
+          <p:cNvPr id="4" name="テキスト ボックス 3">
+            <a:extLst>
+              <a:ext uri="{FF2B5EF4-FFF2-40B4-BE49-F238E27FC236}">
+                <a16:creationId xmlns:a16="http://schemas.microsoft.com/office/drawing/2014/main" id="{48D7FE1F-897D-FB48-9D6C-CABA9D5C19C2}"/>
+              </a:ext>
+            </a:extLst>
+          </p:cNvPr>
+          <p:cNvSpPr txBox="1"/>
+          <p:nvPr/>
+        </p:nvSpPr>
+        <p:spPr>
+          <a:xfrm>
+            <a:off x="3320282" y="2067422"/>
+            <a:ext cx="5318877" cy="646331"/>
+          </a:xfrm>
+          <a:prstGeom prst="rect">
+            <a:avLst/>
+          </a:prstGeom>
+          <a:noFill/>
+        </p:spPr>
+        <p:txBody>
+          <a:bodyPr wrap="square" rtlCol="0">
+            <a:spAutoFit/>
+          </a:bodyPr>
+          <a:lstStyle/>
+          <a:p>
+            <a:pPr algn="ctr"/>
+            <a:r>
+              <a:rPr lang="ja-JP" altLang="en-US" sz="3600" b="1" u="sng" dirty="0">
+                <a:solidFill>
+                  <a:schemeClr val="accent1">
+                    <a:lumMod val="20000"/>
+                    <a:lumOff val="80000"/>
+                  </a:schemeClr>
+                </a:solidFill>
+                <a:effectLst>
+                  <a:glow rad="101600">
+                    <a:schemeClr val="tx1">
+                      <a:lumMod val="75000"/>
+                      <a:lumOff val="25000"/>
+                      <a:alpha val="60000"/>
+                    </a:schemeClr>
+                  </a:glow>
+                </a:effectLst>
+                <a:latin typeface="HGP明朝B" panose="02020800000000000000" pitchFamily="18" charset="-128"/>
+                <a:ea typeface="HGP明朝B" panose="02020800000000000000" pitchFamily="18" charset="-128"/>
+              </a:rPr>
+              <a:t>         グラディウスの全貌</a:t>
+            </a:r>
+            <a:endParaRPr kumimoji="1" lang="ja-JP" altLang="en-US" sz="3600" b="1" u="sng" dirty="0">
+              <a:solidFill>
+                <a:schemeClr val="accent1">
+                  <a:lumMod val="20000"/>
+                  <a:lumOff val="80000"/>
+                </a:schemeClr>
+              </a:solidFill>
+              <a:effectLst>
+                <a:glow rad="101600">
+                  <a:schemeClr val="tx1">
+                    <a:lumMod val="75000"/>
+                    <a:lumOff val="25000"/>
+                    <a:alpha val="60000"/>
+                  </a:schemeClr>
+                </a:glow>
+              </a:effectLst>
+              <a:latin typeface="HGP明朝B" panose="02020800000000000000" pitchFamily="18" charset="-128"/>
+              <a:ea typeface="HGP明朝B" panose="02020800000000000000" pitchFamily="18" charset="-128"/>
+            </a:endParaRPr>
+          </a:p>
+        </p:txBody>
+      </p:sp>
+      <p:pic>
+        <p:nvPicPr>
+          <p:cNvPr id="7" name="図 6" descr="テキスト&#10;&#10;AI によって生成されたコンテンツは間違っている可能性があります。">
+            <a:extLst>
+              <a:ext uri="{FF2B5EF4-FFF2-40B4-BE49-F238E27FC236}">
+                <a16:creationId xmlns:a16="http://schemas.microsoft.com/office/drawing/2014/main" id="{05E5DAEB-1B3F-E9B5-56F4-CB7CADF4D4AB}"/>
+              </a:ext>
+            </a:extLst>
+          </p:cNvPr>
+          <p:cNvPicPr>
+            <a:picLocks noChangeAspect="1"/>
+          </p:cNvPicPr>
+          <p:nvPr/>
+        </p:nvPicPr>
+        <p:blipFill>
+          <a:blip r:embed="rId10">
             <a:extLst>
               <a:ext uri="{28A0092B-C50C-407E-A947-70E740481C1C}">
                 <a14:useLocalDpi xmlns:a14="http://schemas.microsoft.com/office/drawing/2010/main" val="0"/>
@@ -3659,42 +4351,6 @@
           <a:xfrm>
             <a:off x="0" y="2642391"/>
             <a:ext cx="9275747" cy="1851196"/>
-          </a:xfrm>
-          <a:prstGeom prst="rect">
-            <a:avLst/>
-          </a:prstGeom>
-        </p:spPr>
-      </p:pic>
-      <p:pic>
-        <p:nvPicPr>
-          <p:cNvPr id="9" name="図 8" descr="暗い, テーブル が含まれている画像&#10;&#10;AI によって生成されたコンテンツは間違っている可能性があります。">
-            <a:extLst>
-              <a:ext uri="{FF2B5EF4-FFF2-40B4-BE49-F238E27FC236}">
-                <a16:creationId xmlns:a16="http://schemas.microsoft.com/office/drawing/2014/main" id="{4E4B0EE9-0136-3A56-F375-BE3D609CD230}"/>
-              </a:ext>
-            </a:extLst>
-          </p:cNvPr>
-          <p:cNvPicPr>
-            <a:picLocks noChangeAspect="1"/>
-          </p:cNvPicPr>
-          <p:nvPr/>
-        </p:nvPicPr>
-        <p:blipFill>
-          <a:blip r:embed="rId4">
-            <a:extLst>
-              <a:ext uri="{28A0092B-C50C-407E-A947-70E740481C1C}">
-                <a14:useLocalDpi xmlns:a14="http://schemas.microsoft.com/office/drawing/2010/main" val="0"/>
-              </a:ext>
-            </a:extLst>
-          </a:blip>
-          <a:stretch>
-            <a:fillRect/>
-          </a:stretch>
-        </p:blipFill>
-        <p:spPr>
-          <a:xfrm>
-            <a:off x="5928546" y="497436"/>
-            <a:ext cx="6954734" cy="6008784"/>
           </a:xfrm>
           <a:prstGeom prst="rect">
             <a:avLst/>

--- a/PowerPoint/SGI_グラディウスシリーズ_入澤風山.pptx
+++ b/PowerPoint/SGI_グラディウスシリーズ_入澤風山.pptx
@@ -4077,7 +4077,7 @@
         </p:nvSpPr>
         <p:spPr>
           <a:xfrm>
-            <a:off x="-14513" y="5623795"/>
+            <a:off x="0" y="5573955"/>
             <a:ext cx="3817257" cy="1200329"/>
           </a:xfrm>
           <a:prstGeom prst="rect">
@@ -4351,6 +4351,341 @@
           <a:xfrm>
             <a:off x="0" y="2642391"/>
             <a:ext cx="9275747" cy="1851196"/>
+          </a:xfrm>
+          <a:prstGeom prst="rect">
+            <a:avLst/>
+          </a:prstGeom>
+        </p:spPr>
+      </p:pic>
+      <p:pic>
+        <p:nvPicPr>
+          <p:cNvPr id="24" name="図 23" descr="黒い背景に白い文字がある&#10;&#10;AI によって生成されたコンテンツは間違っている可能性があります。">
+            <a:extLst>
+              <a:ext uri="{FF2B5EF4-FFF2-40B4-BE49-F238E27FC236}">
+                <a16:creationId xmlns:a16="http://schemas.microsoft.com/office/drawing/2014/main" id="{B9DE5EDB-35CF-39BD-6C67-0C89EE827D6F}"/>
+              </a:ext>
+            </a:extLst>
+          </p:cNvPr>
+          <p:cNvPicPr>
+            <a:picLocks noChangeAspect="1"/>
+          </p:cNvPicPr>
+          <p:nvPr/>
+        </p:nvPicPr>
+        <p:blipFill>
+          <a:blip r:embed="rId11">
+            <a:extLst>
+              <a:ext uri="{28A0092B-C50C-407E-A947-70E740481C1C}">
+                <a14:useLocalDpi xmlns:a14="http://schemas.microsoft.com/office/drawing/2010/main" val="0"/>
+              </a:ext>
+            </a:extLst>
+          </a:blip>
+          <a:stretch>
+            <a:fillRect/>
+          </a:stretch>
+        </p:blipFill>
+        <p:spPr>
+          <a:xfrm>
+            <a:off x="7885538" y="6136323"/>
+            <a:ext cx="662781" cy="448482"/>
+          </a:xfrm>
+          <a:prstGeom prst="rect">
+            <a:avLst/>
+          </a:prstGeom>
+        </p:spPr>
+      </p:pic>
+      <p:pic>
+        <p:nvPicPr>
+          <p:cNvPr id="25" name="図 24" descr="黒い背景に白い文字がある&#10;&#10;AI によって生成されたコンテンツは間違っている可能性があります。">
+            <a:extLst>
+              <a:ext uri="{FF2B5EF4-FFF2-40B4-BE49-F238E27FC236}">
+                <a16:creationId xmlns:a16="http://schemas.microsoft.com/office/drawing/2014/main" id="{9F7AC86C-666A-FAA7-AF89-176488A70A14}"/>
+              </a:ext>
+            </a:extLst>
+          </p:cNvPr>
+          <p:cNvPicPr>
+            <a:picLocks noChangeAspect="1"/>
+          </p:cNvPicPr>
+          <p:nvPr/>
+        </p:nvPicPr>
+        <p:blipFill>
+          <a:blip r:embed="rId11">
+            <a:extLst>
+              <a:ext uri="{28A0092B-C50C-407E-A947-70E740481C1C}">
+                <a14:useLocalDpi xmlns:a14="http://schemas.microsoft.com/office/drawing/2010/main" val="0"/>
+              </a:ext>
+            </a:extLst>
+          </a:blip>
+          <a:stretch>
+            <a:fillRect/>
+          </a:stretch>
+        </p:blipFill>
+        <p:spPr>
+          <a:xfrm>
+            <a:off x="10778221" y="698956"/>
+            <a:ext cx="662781" cy="448482"/>
+          </a:xfrm>
+          <a:prstGeom prst="rect">
+            <a:avLst/>
+          </a:prstGeom>
+        </p:spPr>
+      </p:pic>
+      <p:pic>
+        <p:nvPicPr>
+          <p:cNvPr id="27" name="図 26" descr="おもちゃ, レゴ, 光, 女性 が含まれている画像&#10;&#10;AI によって生成されたコンテンツは間違っている可能性があります。">
+            <a:extLst>
+              <a:ext uri="{FF2B5EF4-FFF2-40B4-BE49-F238E27FC236}">
+                <a16:creationId xmlns:a16="http://schemas.microsoft.com/office/drawing/2014/main" id="{1690C601-43EF-3B7E-D741-79F3C89C3B26}"/>
+              </a:ext>
+            </a:extLst>
+          </p:cNvPr>
+          <p:cNvPicPr>
+            <a:picLocks noChangeAspect="1"/>
+          </p:cNvPicPr>
+          <p:nvPr/>
+        </p:nvPicPr>
+        <p:blipFill>
+          <a:blip r:embed="rId12">
+            <a:alphaModFix/>
+            <a:extLst>
+              <a:ext uri="{28A0092B-C50C-407E-A947-70E740481C1C}">
+                <a14:useLocalDpi xmlns:a14="http://schemas.microsoft.com/office/drawing/2010/main" val="0"/>
+              </a:ext>
+            </a:extLst>
+          </a:blip>
+          <a:stretch>
+            <a:fillRect/>
+          </a:stretch>
+        </p:blipFill>
+        <p:spPr>
+          <a:xfrm>
+            <a:off x="4102508" y="-1277597"/>
+            <a:ext cx="2337778" cy="3179379"/>
+          </a:xfrm>
+          <a:prstGeom prst="rect">
+            <a:avLst/>
+          </a:prstGeom>
+        </p:spPr>
+      </p:pic>
+      <p:pic>
+        <p:nvPicPr>
+          <p:cNvPr id="31" name="図 30" descr="コンピューターのスクリーンショット&#10;&#10;AI によって生成されたコンテンツは間違っている可能性があります。">
+            <a:extLst>
+              <a:ext uri="{FF2B5EF4-FFF2-40B4-BE49-F238E27FC236}">
+                <a16:creationId xmlns:a16="http://schemas.microsoft.com/office/drawing/2014/main" id="{B29D9DF8-C60F-1FA6-4734-29C5356586B8}"/>
+              </a:ext>
+            </a:extLst>
+          </p:cNvPr>
+          <p:cNvPicPr>
+            <a:picLocks noChangeAspect="1"/>
+          </p:cNvPicPr>
+          <p:nvPr/>
+        </p:nvPicPr>
+        <p:blipFill>
+          <a:blip r:embed="rId13">
+            <a:alphaModFix/>
+            <a:extLst>
+              <a:ext uri="{28A0092B-C50C-407E-A947-70E740481C1C}">
+                <a14:useLocalDpi xmlns:a14="http://schemas.microsoft.com/office/drawing/2010/main" val="0"/>
+              </a:ext>
+            </a:extLst>
+          </a:blip>
+          <a:srcRect l="12718" t="26654" r="27294" b="23058"/>
+          <a:stretch/>
+        </p:blipFill>
+        <p:spPr>
+          <a:xfrm>
+            <a:off x="33436" y="82317"/>
+            <a:ext cx="2654105" cy="1660018"/>
+          </a:xfrm>
+          <a:prstGeom prst="rect">
+            <a:avLst/>
+          </a:prstGeom>
+          <a:ln>
+            <a:noFill/>
+          </a:ln>
+          <a:effectLst>
+            <a:softEdge rad="112500"/>
+          </a:effectLst>
+        </p:spPr>
+      </p:pic>
+      <p:sp>
+        <p:nvSpPr>
+          <p:cNvPr id="29" name="テキスト ボックス 28">
+            <a:extLst>
+              <a:ext uri="{FF2B5EF4-FFF2-40B4-BE49-F238E27FC236}">
+                <a16:creationId xmlns:a16="http://schemas.microsoft.com/office/drawing/2014/main" id="{B620641B-ED40-F271-9205-15D1A05576C3}"/>
+              </a:ext>
+            </a:extLst>
+          </p:cNvPr>
+          <p:cNvSpPr txBox="1"/>
+          <p:nvPr/>
+        </p:nvSpPr>
+        <p:spPr>
+          <a:xfrm>
+            <a:off x="131168" y="140509"/>
+            <a:ext cx="4653171" cy="954107"/>
+          </a:xfrm>
+          <a:prstGeom prst="rect">
+            <a:avLst/>
+          </a:prstGeom>
+          <a:noFill/>
+        </p:spPr>
+        <p:txBody>
+          <a:bodyPr wrap="square" rtlCol="0">
+            <a:spAutoFit/>
+          </a:bodyPr>
+          <a:lstStyle/>
+          <a:p>
+            <a:r>
+              <a:rPr lang="ja-JP" altLang="en-US" sz="2800" b="1" dirty="0">
+                <a:solidFill>
+                  <a:srgbClr val="C73939"/>
+                </a:solidFill>
+                <a:effectLst>
+                  <a:glow rad="63500">
+                    <a:schemeClr val="accent5">
+                      <a:satMod val="175000"/>
+                      <a:alpha val="40000"/>
+                    </a:schemeClr>
+                  </a:glow>
+                </a:effectLst>
+                <a:latin typeface="HGP明朝B" panose="02020800000000000000" pitchFamily="18" charset="-128"/>
+                <a:ea typeface="HGP明朝B" panose="02020800000000000000" pitchFamily="18" charset="-128"/>
+              </a:rPr>
+              <a:t>パワー</a:t>
+            </a:r>
+            <a:r>
+              <a:rPr lang="ja-JP" altLang="en-US" sz="2800" b="1" dirty="0">
+                <a:solidFill>
+                  <a:schemeClr val="accent2">
+                    <a:lumMod val="20000"/>
+                    <a:lumOff val="80000"/>
+                  </a:schemeClr>
+                </a:solidFill>
+                <a:effectLst>
+                  <a:glow rad="63500">
+                    <a:schemeClr val="accent5">
+                      <a:satMod val="175000"/>
+                      <a:alpha val="40000"/>
+                    </a:schemeClr>
+                  </a:glow>
+                </a:effectLst>
+                <a:latin typeface="HGP明朝B" panose="02020800000000000000" pitchFamily="18" charset="-128"/>
+                <a:ea typeface="HGP明朝B" panose="02020800000000000000" pitchFamily="18" charset="-128"/>
+              </a:rPr>
+              <a:t>カプセルを取って</a:t>
+            </a:r>
+            <a:endParaRPr lang="en-US" altLang="ja-JP" sz="2800" b="1" dirty="0">
+              <a:solidFill>
+                <a:schemeClr val="accent2">
+                  <a:lumMod val="20000"/>
+                  <a:lumOff val="80000"/>
+                </a:schemeClr>
+              </a:solidFill>
+              <a:effectLst>
+                <a:glow rad="63500">
+                  <a:schemeClr val="accent5">
+                    <a:satMod val="175000"/>
+                    <a:alpha val="40000"/>
+                  </a:schemeClr>
+                </a:glow>
+              </a:effectLst>
+              <a:latin typeface="HGP明朝B" panose="02020800000000000000" pitchFamily="18" charset="-128"/>
+              <a:ea typeface="HGP明朝B" panose="02020800000000000000" pitchFamily="18" charset="-128"/>
+            </a:endParaRPr>
+          </a:p>
+          <a:p>
+            <a:pPr algn="r"/>
+            <a:r>
+              <a:rPr lang="ja-JP" altLang="en-US" sz="2800" b="1" i="0" dirty="0">
+                <a:solidFill>
+                  <a:srgbClr val="C73939"/>
+                </a:solidFill>
+                <a:effectLst>
+                  <a:glow rad="63500">
+                    <a:schemeClr val="accent5">
+                      <a:satMod val="175000"/>
+                      <a:alpha val="40000"/>
+                    </a:schemeClr>
+                  </a:glow>
+                </a:effectLst>
+                <a:latin typeface="HGP明朝B" panose="02020800000000000000" pitchFamily="18" charset="-128"/>
+                <a:ea typeface="HGP明朝B" panose="02020800000000000000" pitchFamily="18" charset="-128"/>
+              </a:rPr>
+              <a:t>パワー</a:t>
+            </a:r>
+            <a:r>
+              <a:rPr lang="ja-JP" altLang="en-US" sz="2800" b="1" i="0" dirty="0">
+                <a:solidFill>
+                  <a:schemeClr val="accent2">
+                    <a:lumMod val="20000"/>
+                    <a:lumOff val="80000"/>
+                  </a:schemeClr>
+                </a:solidFill>
+                <a:effectLst>
+                  <a:glow rad="63500">
+                    <a:schemeClr val="accent5">
+                      <a:satMod val="175000"/>
+                      <a:alpha val="40000"/>
+                    </a:schemeClr>
+                  </a:glow>
+                </a:effectLst>
+                <a:latin typeface="HGP明朝B" panose="02020800000000000000" pitchFamily="18" charset="-128"/>
+                <a:ea typeface="HGP明朝B" panose="02020800000000000000" pitchFamily="18" charset="-128"/>
+              </a:rPr>
+              <a:t>アップ</a:t>
+            </a:r>
+            <a:endParaRPr kumimoji="1" lang="ja-JP" altLang="en-US" sz="2800" b="1" dirty="0">
+              <a:solidFill>
+                <a:schemeClr val="accent2">
+                  <a:lumMod val="20000"/>
+                  <a:lumOff val="80000"/>
+                </a:schemeClr>
+              </a:solidFill>
+              <a:effectLst>
+                <a:glow rad="63500">
+                  <a:schemeClr val="accent5">
+                    <a:satMod val="175000"/>
+                    <a:alpha val="40000"/>
+                  </a:schemeClr>
+                </a:glow>
+              </a:effectLst>
+              <a:latin typeface="HGP明朝B" panose="02020800000000000000" pitchFamily="18" charset="-128"/>
+              <a:ea typeface="HGP明朝B" panose="02020800000000000000" pitchFamily="18" charset="-128"/>
+            </a:endParaRPr>
+          </a:p>
+        </p:txBody>
+      </p:sp>
+      <p:pic>
+        <p:nvPicPr>
+          <p:cNvPr id="32" name="図 31" descr="黒い背景に白い文字がある&#10;&#10;AI によって生成されたコンテンツは間違っている可能性があります。">
+            <a:extLst>
+              <a:ext uri="{FF2B5EF4-FFF2-40B4-BE49-F238E27FC236}">
+                <a16:creationId xmlns:a16="http://schemas.microsoft.com/office/drawing/2014/main" id="{A8837A6C-9E81-48A4-BC1A-A4939CC041EA}"/>
+              </a:ext>
+            </a:extLst>
+          </p:cNvPr>
+          <p:cNvPicPr>
+            <a:picLocks noChangeAspect="1"/>
+          </p:cNvPicPr>
+          <p:nvPr/>
+        </p:nvPicPr>
+        <p:blipFill>
+          <a:blip r:embed="rId11">
+            <a:extLst>
+              <a:ext uri="{28A0092B-C50C-407E-A947-70E740481C1C}">
+                <a14:useLocalDpi xmlns:a14="http://schemas.microsoft.com/office/drawing/2010/main" val="0"/>
+              </a:ext>
+            </a:extLst>
+          </a:blip>
+          <a:stretch>
+            <a:fillRect/>
+          </a:stretch>
+        </p:blipFill>
+        <p:spPr>
+          <a:xfrm>
+            <a:off x="-149322" y="1231446"/>
+            <a:ext cx="1106858" cy="748974"/>
           </a:xfrm>
           <a:prstGeom prst="rect">
             <a:avLst/>

--- a/PowerPoint/SGI_グラディウスシリーズ_入澤風山.pptx
+++ b/PowerPoint/SGI_グラディウスシリーズ_入澤風山.pptx
@@ -6,6 +6,8 @@
   </p:sldMasterIdLst>
   <p:sldIdLst>
     <p:sldId id="256" r:id="rId2"/>
+    <p:sldId id="257" r:id="rId3"/>
+    <p:sldId id="258" r:id="rId4"/>
   </p:sldIdLst>
   <p:sldSz cx="12192000" cy="6858000"/>
   <p:notesSz cx="6858000" cy="9144000"/>
@@ -4705,6 +4707,261 @@
 </p:sld>
 </file>
 
+<file path=ppt/slides/slide2.xml><?xml version="1.0" encoding="utf-8"?>
+<p:sld xmlns:a="http://schemas.openxmlformats.org/drawingml/2006/main" xmlns:r="http://schemas.openxmlformats.org/officeDocument/2006/relationships" xmlns:p="http://schemas.openxmlformats.org/presentationml/2006/main">
+  <p:cSld>
+    <p:spTree>
+      <p:nvGrpSpPr>
+        <p:cNvPr id="1" name=""/>
+        <p:cNvGrpSpPr/>
+        <p:nvPr/>
+      </p:nvGrpSpPr>
+      <p:grpSpPr>
+        <a:xfrm>
+          <a:off x="0" y="0"/>
+          <a:ext cx="0" cy="0"/>
+          <a:chOff x="0" y="0"/>
+          <a:chExt cx="0" cy="0"/>
+        </a:xfrm>
+      </p:grpSpPr>
+      <p:pic>
+        <p:nvPicPr>
+          <p:cNvPr id="5" name="図 4" descr="テキスト&#10;&#10;AI によって生成されたコンテンツは間違っている可能性があります。">
+            <a:extLst>
+              <a:ext uri="{FF2B5EF4-FFF2-40B4-BE49-F238E27FC236}">
+                <a16:creationId xmlns:a16="http://schemas.microsoft.com/office/drawing/2014/main" id="{451100C0-3ED8-C7B9-C1D4-4F03144B7694}"/>
+              </a:ext>
+            </a:extLst>
+          </p:cNvPr>
+          <p:cNvPicPr>
+            <a:picLocks noChangeAspect="1"/>
+          </p:cNvPicPr>
+          <p:nvPr/>
+        </p:nvPicPr>
+        <p:blipFill>
+          <a:blip r:embed="rId2">
+            <a:extLst>
+              <a:ext uri="{28A0092B-C50C-407E-A947-70E740481C1C}">
+                <a14:useLocalDpi xmlns:a14="http://schemas.microsoft.com/office/drawing/2010/main" val="0"/>
+              </a:ext>
+            </a:extLst>
+          </a:blip>
+          <a:stretch>
+            <a:fillRect/>
+          </a:stretch>
+        </p:blipFill>
+        <p:spPr>
+          <a:xfrm>
+            <a:off x="0" y="2212398"/>
+            <a:ext cx="12192000" cy="2433204"/>
+          </a:xfrm>
+          <a:prstGeom prst="rect">
+            <a:avLst/>
+          </a:prstGeom>
+        </p:spPr>
+      </p:pic>
+      <p:sp>
+        <p:nvSpPr>
+          <p:cNvPr id="6" name="正方形/長方形 5">
+            <a:extLst>
+              <a:ext uri="{FF2B5EF4-FFF2-40B4-BE49-F238E27FC236}">
+                <a16:creationId xmlns:a16="http://schemas.microsoft.com/office/drawing/2014/main" id="{40E29222-D0AC-E9EF-52AD-F896A54249BB}"/>
+              </a:ext>
+            </a:extLst>
+          </p:cNvPr>
+          <p:cNvSpPr/>
+          <p:nvPr/>
+        </p:nvSpPr>
+        <p:spPr>
+          <a:xfrm>
+            <a:off x="236131" y="2282023"/>
+            <a:ext cx="11934908" cy="1914293"/>
+          </a:xfrm>
+          <a:prstGeom prst="rect">
+            <a:avLst/>
+          </a:prstGeom>
+          <a:gradFill>
+            <a:gsLst>
+              <a:gs pos="0">
+                <a:schemeClr val="bg1">
+                  <a:alpha val="0"/>
+                </a:schemeClr>
+              </a:gs>
+              <a:gs pos="83000">
+                <a:schemeClr val="tx1"/>
+              </a:gs>
+              <a:gs pos="100000">
+                <a:schemeClr val="tx1"/>
+              </a:gs>
+            </a:gsLst>
+            <a:lin ang="0" scaled="1"/>
+          </a:gradFill>
+          <a:ln>
+            <a:noFill/>
+          </a:ln>
+        </p:spPr>
+        <p:style>
+          <a:lnRef idx="0">
+            <a:scrgbClr r="0" g="0" b="0"/>
+          </a:lnRef>
+          <a:fillRef idx="0">
+            <a:scrgbClr r="0" g="0" b="0"/>
+          </a:fillRef>
+          <a:effectRef idx="0">
+            <a:scrgbClr r="0" g="0" b="0"/>
+          </a:effectRef>
+          <a:fontRef idx="minor">
+            <a:schemeClr val="lt1"/>
+          </a:fontRef>
+        </p:style>
+        <p:txBody>
+          <a:bodyPr rtlCol="0" anchor="ctr"/>
+          <a:lstStyle/>
+          <a:p>
+            <a:pPr algn="ctr"/>
+            <a:endParaRPr kumimoji="1" lang="ja-JP" altLang="en-US"/>
+          </a:p>
+        </p:txBody>
+      </p:sp>
+    </p:spTree>
+    <p:extLst>
+      <p:ext uri="{BB962C8B-B14F-4D97-AF65-F5344CB8AC3E}">
+        <p14:creationId xmlns:p14="http://schemas.microsoft.com/office/powerpoint/2010/main" val="3179081391"/>
+      </p:ext>
+    </p:extLst>
+  </p:cSld>
+  <p:clrMapOvr>
+    <a:masterClrMapping/>
+  </p:clrMapOvr>
+</p:sld>
+</file>
+
+<file path=ppt/slides/slide3.xml><?xml version="1.0" encoding="utf-8"?>
+<p:sld xmlns:a="http://schemas.openxmlformats.org/drawingml/2006/main" xmlns:r="http://schemas.openxmlformats.org/officeDocument/2006/relationships" xmlns:p="http://schemas.openxmlformats.org/presentationml/2006/main">
+  <p:cSld>
+    <p:spTree>
+      <p:nvGrpSpPr>
+        <p:cNvPr id="1" name=""/>
+        <p:cNvGrpSpPr/>
+        <p:nvPr/>
+      </p:nvGrpSpPr>
+      <p:grpSpPr>
+        <a:xfrm>
+          <a:off x="0" y="0"/>
+          <a:ext cx="0" cy="0"/>
+          <a:chOff x="0" y="0"/>
+          <a:chExt cx="0" cy="0"/>
+        </a:xfrm>
+      </p:grpSpPr>
+      <p:pic>
+        <p:nvPicPr>
+          <p:cNvPr id="9" name="図 8" descr="黒い背景に白い文字がある&#10;&#10;AI によって生成されたコンテンツは間違っている可能性があります。">
+            <a:extLst>
+              <a:ext uri="{FF2B5EF4-FFF2-40B4-BE49-F238E27FC236}">
+                <a16:creationId xmlns:a16="http://schemas.microsoft.com/office/drawing/2014/main" id="{A3D88D19-9856-A6EB-2435-61253E3CF20B}"/>
+              </a:ext>
+            </a:extLst>
+          </p:cNvPr>
+          <p:cNvPicPr>
+            <a:picLocks noChangeAspect="1"/>
+          </p:cNvPicPr>
+          <p:nvPr/>
+        </p:nvPicPr>
+        <p:blipFill>
+          <a:blip r:embed="rId2">
+            <a:extLst>
+              <a:ext uri="{28A0092B-C50C-407E-A947-70E740481C1C}">
+                <a14:useLocalDpi xmlns:a14="http://schemas.microsoft.com/office/drawing/2010/main" val="0"/>
+              </a:ext>
+            </a:extLst>
+          </a:blip>
+          <a:stretch>
+            <a:fillRect/>
+          </a:stretch>
+        </p:blipFill>
+        <p:spPr>
+          <a:xfrm>
+            <a:off x="-1850591" y="673769"/>
+            <a:ext cx="16022177" cy="6448926"/>
+          </a:xfrm>
+          <a:prstGeom prst="rect">
+            <a:avLst/>
+          </a:prstGeom>
+        </p:spPr>
+      </p:pic>
+      <p:sp>
+        <p:nvSpPr>
+          <p:cNvPr id="10" name="正方形/長方形 9">
+            <a:extLst>
+              <a:ext uri="{FF2B5EF4-FFF2-40B4-BE49-F238E27FC236}">
+                <a16:creationId xmlns:a16="http://schemas.microsoft.com/office/drawing/2014/main" id="{43DA825B-0983-BBFB-EFFE-32F3D1512069}"/>
+              </a:ext>
+            </a:extLst>
+          </p:cNvPr>
+          <p:cNvSpPr/>
+          <p:nvPr/>
+        </p:nvSpPr>
+        <p:spPr>
+          <a:xfrm rot="10800000">
+            <a:off x="101498" y="2126508"/>
+            <a:ext cx="12090502" cy="1793359"/>
+          </a:xfrm>
+          <a:prstGeom prst="rect">
+            <a:avLst/>
+          </a:prstGeom>
+          <a:gradFill>
+            <a:gsLst>
+              <a:gs pos="0">
+                <a:schemeClr val="bg1">
+                  <a:alpha val="0"/>
+                </a:schemeClr>
+              </a:gs>
+              <a:gs pos="100000">
+                <a:schemeClr val="tx1"/>
+              </a:gs>
+            </a:gsLst>
+            <a:lin ang="0" scaled="1"/>
+          </a:gradFill>
+          <a:ln>
+            <a:noFill/>
+          </a:ln>
+        </p:spPr>
+        <p:style>
+          <a:lnRef idx="0">
+            <a:scrgbClr r="0" g="0" b="0"/>
+          </a:lnRef>
+          <a:fillRef idx="0">
+            <a:scrgbClr r="0" g="0" b="0"/>
+          </a:fillRef>
+          <a:effectRef idx="0">
+            <a:scrgbClr r="0" g="0" b="0"/>
+          </a:effectRef>
+          <a:fontRef idx="minor">
+            <a:schemeClr val="lt1"/>
+          </a:fontRef>
+        </p:style>
+        <p:txBody>
+          <a:bodyPr rtlCol="0" anchor="ctr"/>
+          <a:lstStyle/>
+          <a:p>
+            <a:pPr algn="ctr"/>
+            <a:endParaRPr kumimoji="1" lang="ja-JP" altLang="en-US"/>
+          </a:p>
+        </p:txBody>
+      </p:sp>
+    </p:spTree>
+    <p:extLst>
+      <p:ext uri="{BB962C8B-B14F-4D97-AF65-F5344CB8AC3E}">
+        <p14:creationId xmlns:p14="http://schemas.microsoft.com/office/powerpoint/2010/main" val="3419082969"/>
+      </p:ext>
+    </p:extLst>
+  </p:cSld>
+  <p:clrMapOvr>
+    <a:masterClrMapping/>
+  </p:clrMapOvr>
+</p:sld>
+</file>
+
 <file path=ppt/theme/theme1.xml><?xml version="1.0" encoding="utf-8"?>
 <a:theme xmlns:a="http://schemas.openxmlformats.org/drawingml/2006/main" name="Office テーマ">
   <a:themeElements>
